--- a/MGT 709 - Fall 2025/Customer Discovery Presentation #1, MGT 709 Fall 2025, Kenneth Larot Yamat.pptx
+++ b/MGT 709 - Fall 2025/Customer Discovery Presentation #1, MGT 709 Fall 2025, Kenneth Larot Yamat.pptx
@@ -734,7 +734,7 @@
         </p:nvSpPr>
         <p:spPr>
           <a:xfrm>
-            <a:off x="381300" y="685800"/>
+            <a:off x="381000" y="685800"/>
             <a:ext cx="6096000" cy="3429000"/>
           </a:xfrm>
           <a:custGeom>
@@ -5877,10 +5877,10 @@
               <a:buNone/>
             </a:pPr>
             <a:r>
-              <a:rPr lang="en"/>
-              <a:t>Business Model Canvas for Piezochromic Pyrylium Salts</a:t>
-            </a:r>
-            <a:endParaRPr/>
+              <a:rPr lang="en" dirty="0"/>
+              <a:t>Customer Discovery # 1 for Piezochromic Pyrylium Salts</a:t>
+            </a:r>
+            <a:endParaRPr dirty="0"/>
           </a:p>
         </p:txBody>
       </p:sp>
@@ -5910,83 +5910,74 @@
           <a:lstStyle/>
           <a:p>
             <a:pPr marL="0" lvl="0" indent="0" algn="l" rtl="0">
-              <a:spcBef>
-                <a:spcPts val="0"/>
-              </a:spcBef>
-              <a:spcAft>
-                <a:spcPts val="0"/>
-              </a:spcAft>
-              <a:buNone/>
-            </a:pPr>
-            <a:r>
-              <a:rPr lang="en"/>
+              <a:lnSpc>
+                <a:spcPct val="150000"/>
+              </a:lnSpc>
+              <a:buNone/>
+            </a:pPr>
+            <a:r>
+              <a:rPr lang="en" dirty="0"/>
               <a:t>Business Name: Chameleon Coatings</a:t>
             </a:r>
-            <a:endParaRPr/>
-          </a:p>
-          <a:p>
-            <a:pPr marL="0" lvl="0" indent="0" algn="l" rtl="0">
-              <a:spcBef>
-                <a:spcPts val="1200"/>
-              </a:spcBef>
-              <a:spcAft>
-                <a:spcPts val="0"/>
-              </a:spcAft>
-              <a:buNone/>
-            </a:pPr>
-            <a:r>
-              <a:rPr lang="en"/>
+            <a:endParaRPr dirty="0"/>
+          </a:p>
+          <a:p>
+            <a:pPr marL="0" lvl="0" indent="0" algn="l" rtl="0">
+              <a:lnSpc>
+                <a:spcPct val="150000"/>
+              </a:lnSpc>
+              <a:buNone/>
+            </a:pPr>
+            <a:r>
+              <a:rPr lang="en" dirty="0"/>
               <a:t>Author: Kenneth Larot Yamat</a:t>
             </a:r>
-            <a:endParaRPr/>
-          </a:p>
-          <a:p>
-            <a:pPr marL="0" lvl="0" indent="0" algn="l" rtl="0">
-              <a:spcBef>
-                <a:spcPts val="1200"/>
-              </a:spcBef>
-              <a:spcAft>
-                <a:spcPts val="0"/>
-              </a:spcAft>
-              <a:buNone/>
-            </a:pPr>
-            <a:r>
-              <a:rPr lang="en"/>
+            <a:endParaRPr dirty="0"/>
+          </a:p>
+          <a:p>
+            <a:pPr marL="0" lvl="0" indent="0" algn="l" rtl="0">
+              <a:lnSpc>
+                <a:spcPct val="150000"/>
+              </a:lnSpc>
+              <a:buNone/>
+            </a:pPr>
+            <a:r>
+              <a:rPr lang="en" dirty="0"/>
               <a:t>Course: MGT 709 Fall 2025</a:t>
             </a:r>
-            <a:endParaRPr/>
-          </a:p>
-          <a:p>
-            <a:pPr marL="0" lvl="0" indent="0" algn="l" rtl="0">
-              <a:spcBef>
-                <a:spcPts val="1200"/>
-              </a:spcBef>
-              <a:spcAft>
-                <a:spcPts val="0"/>
-              </a:spcAft>
-              <a:buNone/>
-            </a:pPr>
-            <a:r>
-              <a:rPr lang="en"/>
+            <a:endParaRPr dirty="0"/>
+          </a:p>
+          <a:p>
+            <a:pPr marL="0" lvl="0" indent="0" algn="l" rtl="0">
+              <a:lnSpc>
+                <a:spcPct val="150000"/>
+              </a:lnSpc>
+              <a:buNone/>
+            </a:pPr>
+            <a:r>
+              <a:rPr lang="en" dirty="0"/>
               <a:t>Instructor: Leith Martin</a:t>
             </a:r>
-            <a:endParaRPr/>
-          </a:p>
-          <a:p>
-            <a:pPr marL="0" lvl="0" indent="0" algn="l" rtl="0">
-              <a:spcBef>
-                <a:spcPts val="1200"/>
-              </a:spcBef>
-              <a:spcAft>
-                <a:spcPts val="1200"/>
-              </a:spcAft>
-              <a:buNone/>
-            </a:pPr>
-            <a:r>
-              <a:rPr lang="en"/>
+            <a:endParaRPr dirty="0"/>
+          </a:p>
+          <a:p>
+            <a:pPr marL="0" lvl="0" indent="0" algn="l" rtl="0">
+              <a:lnSpc>
+                <a:spcPct val="150000"/>
+              </a:lnSpc>
+              <a:buNone/>
+            </a:pPr>
+            <a:r>
+              <a:rPr lang="en" dirty="0"/>
               <a:t>Institution: The University of Nevada, Las Vegas</a:t>
             </a:r>
-            <a:endParaRPr/>
+            <a:br>
+              <a:rPr lang="en" dirty="0"/>
+            </a:br>
+            <a:r>
+              <a:rPr lang="en" dirty="0"/>
+              <a:t>Interviews: 6</a:t>
+            </a:r>
           </a:p>
         </p:txBody>
       </p:sp>
@@ -8269,80 +8260,96 @@
               <a:buNone/>
             </a:pPr>
             <a:r>
-              <a:rPr lang="en" sz="900" b="1">
+              <a:rPr lang="en" sz="900" b="1" dirty="0">
                 <a:solidFill>
                   <a:schemeClr val="dk2"/>
                 </a:solidFill>
               </a:rPr>
               <a:t>Cost Structure</a:t>
             </a:r>
-            <a:endParaRPr sz="900" b="1">
-              <a:solidFill>
-                <a:schemeClr val="dk2"/>
-              </a:solidFill>
-            </a:endParaRPr>
-          </a:p>
-          <a:p>
-            <a:pPr marL="0" lvl="0" indent="0" algn="l" rtl="0">
-              <a:spcBef>
-                <a:spcPts val="0"/>
-              </a:spcBef>
-              <a:spcAft>
-                <a:spcPts val="0"/>
-              </a:spcAft>
-              <a:buNone/>
-            </a:pPr>
-            <a:endParaRPr sz="900" b="1">
-              <a:solidFill>
-                <a:schemeClr val="dk2"/>
-              </a:solidFill>
-            </a:endParaRPr>
-          </a:p>
-          <a:p>
-            <a:pPr marL="0" lvl="0" indent="0" algn="l" rtl="0">
-              <a:spcBef>
-                <a:spcPts val="0"/>
-              </a:spcBef>
-              <a:spcAft>
-                <a:spcPts val="0"/>
-              </a:spcAft>
-              <a:buNone/>
-            </a:pPr>
-            <a:r>
-              <a:rPr lang="en" sz="900">
+            <a:endParaRPr sz="900" b="1" dirty="0">
+              <a:solidFill>
+                <a:schemeClr val="dk2"/>
+              </a:solidFill>
+            </a:endParaRPr>
+          </a:p>
+          <a:p>
+            <a:pPr marL="0" lvl="0" indent="0" algn="l" rtl="0">
+              <a:spcBef>
+                <a:spcPts val="0"/>
+              </a:spcBef>
+              <a:spcAft>
+                <a:spcPts val="0"/>
+              </a:spcAft>
+              <a:buNone/>
+            </a:pPr>
+            <a:endParaRPr sz="900" b="1" dirty="0">
+              <a:solidFill>
+                <a:schemeClr val="dk2"/>
+              </a:solidFill>
+            </a:endParaRPr>
+          </a:p>
+          <a:p>
+            <a:pPr marL="0" lvl="0" indent="0" algn="l" rtl="0">
+              <a:spcBef>
+                <a:spcPts val="0"/>
+              </a:spcBef>
+              <a:spcAft>
+                <a:spcPts val="0"/>
+              </a:spcAft>
+              <a:buNone/>
+            </a:pPr>
+            <a:r>
+              <a:rPr lang="en" sz="900" dirty="0">
                 <a:solidFill>
                   <a:schemeClr val="dk2"/>
                 </a:solidFill>
               </a:rPr>
-              <a:t>• Most Important costs</a:t>
-            </a:r>
-            <a:endParaRPr sz="900">
-              <a:solidFill>
-                <a:schemeClr val="dk2"/>
-              </a:solidFill>
-            </a:endParaRPr>
-          </a:p>
-          <a:p>
-            <a:pPr marL="0" lvl="0" indent="0" algn="l" rtl="0">
-              <a:spcBef>
-                <a:spcPts val="0"/>
-              </a:spcBef>
-              <a:spcAft>
-                <a:spcPts val="0"/>
-              </a:spcAft>
-              <a:buNone/>
-            </a:pPr>
-            <a:r>
-              <a:rPr lang="en" sz="900">
+              <a:t>• Most Important costs: </a:t>
+            </a:r>
+            <a:r>
+              <a:rPr lang="en" sz="900" dirty="0">
+                <a:solidFill>
+                  <a:srgbClr val="FF0000"/>
+                </a:solidFill>
+              </a:rPr>
+              <a:t>Slack inventory, cost of goods sold</a:t>
+            </a:r>
+            <a:endParaRPr sz="900" dirty="0">
+              <a:solidFill>
+                <a:schemeClr val="dk2"/>
+              </a:solidFill>
+            </a:endParaRPr>
+          </a:p>
+          <a:p>
+            <a:pPr marL="0" lvl="0" indent="0" algn="l" rtl="0">
+              <a:spcBef>
+                <a:spcPts val="0"/>
+              </a:spcBef>
+              <a:spcAft>
+                <a:spcPts val="0"/>
+              </a:spcAft>
+              <a:buNone/>
+            </a:pPr>
+            <a:r>
+              <a:rPr lang="en" sz="900" dirty="0">
                 <a:solidFill>
                   <a:schemeClr val="dk2"/>
                 </a:solidFill>
               </a:rPr>
-              <a:t>• Most expensive activities</a:t>
-            </a:r>
-            <a:endParaRPr sz="900">
-              <a:solidFill>
-                <a:schemeClr val="dk2"/>
+              <a:t>• Most expensive activities: </a:t>
+            </a:r>
+            <a:r>
+              <a:rPr lang="en" sz="900" dirty="0">
+                <a:solidFill>
+                  <a:srgbClr val="FF0000"/>
+                </a:solidFill>
+              </a:rPr>
+              <a:t>Certification of Production Process</a:t>
+            </a:r>
+            <a:endParaRPr sz="900" dirty="0">
+              <a:solidFill>
+                <a:srgbClr val="FF0000"/>
               </a:solidFill>
             </a:endParaRPr>
           </a:p>
@@ -8362,14 +8369,14 @@
               <a:buNone/>
             </a:pPr>
             <a:r>
-              <a:rPr lang="en" sz="900">
+              <a:rPr lang="en" sz="900" dirty="0">
                 <a:solidFill>
                   <a:schemeClr val="dk2"/>
                 </a:solidFill>
               </a:rPr>
               <a:t>• Most expensive resources</a:t>
             </a:r>
-            <a:endParaRPr sz="900">
+            <a:endParaRPr sz="900" dirty="0">
               <a:solidFill>
                 <a:schemeClr val="dk2"/>
               </a:solidFill>
